--- a/docs/slides/PSYC753_Chris3.pptx
+++ b/docs/slides/PSYC753_Chris3.pptx
@@ -526,7 +526,7 @@
               <a:pPr>
                 <a:defRPr/>
               </a:pPr>
-              <a:t>05/11/2020</a:t>
+              <a:t>17/11/2020</a:t>
             </a:fld>
             <a:endParaRPr lang="en-GB"/>
           </a:p>
@@ -4924,7 +4924,7 @@
               <a:pPr>
                 <a:defRPr/>
               </a:pPr>
-              <a:t>11/5/2020</a:t>
+              <a:t>11/17/2020</a:t>
             </a:fld>
             <a:endParaRPr lang="en-US"/>
           </a:p>
@@ -5121,7 +5121,7 @@
               <a:pPr>
                 <a:defRPr/>
               </a:pPr>
-              <a:t>11/5/2020</a:t>
+              <a:t>11/17/2020</a:t>
             </a:fld>
             <a:endParaRPr lang="en-US"/>
           </a:p>
@@ -5394,7 +5394,7 @@
               <a:pPr>
                 <a:defRPr/>
               </a:pPr>
-              <a:t>11/5/2020</a:t>
+              <a:t>11/17/2020</a:t>
             </a:fld>
             <a:endParaRPr lang="en-US"/>
           </a:p>
@@ -5709,7 +5709,7 @@
               <a:pPr>
                 <a:defRPr/>
               </a:pPr>
-              <a:t>11/5/2020</a:t>
+              <a:t>11/17/2020</a:t>
             </a:fld>
             <a:endParaRPr lang="en-US"/>
           </a:p>
@@ -6158,7 +6158,7 @@
               <a:pPr>
                 <a:defRPr/>
               </a:pPr>
-              <a:t>11/5/2020</a:t>
+              <a:t>11/17/2020</a:t>
             </a:fld>
             <a:endParaRPr lang="en-US"/>
           </a:p>
@@ -6303,7 +6303,7 @@
               <a:pPr>
                 <a:defRPr/>
               </a:pPr>
-              <a:t>11/5/2020</a:t>
+              <a:t>11/17/2020</a:t>
             </a:fld>
             <a:endParaRPr lang="en-US"/>
           </a:p>
@@ -6425,7 +6425,7 @@
               <a:pPr>
                 <a:defRPr/>
               </a:pPr>
-              <a:t>11/5/2020</a:t>
+              <a:t>11/17/2020</a:t>
             </a:fld>
             <a:endParaRPr lang="en-US"/>
           </a:p>
@@ -6729,7 +6729,7 @@
               <a:pPr>
                 <a:defRPr/>
               </a:pPr>
-              <a:t>11/5/2020</a:t>
+              <a:t>11/17/2020</a:t>
             </a:fld>
             <a:endParaRPr lang="en-US"/>
           </a:p>
@@ -7208,7 +7208,7 @@
               <a:pPr>
                 <a:defRPr/>
               </a:pPr>
-              <a:t>11/5/2020</a:t>
+              <a:t>11/17/2020</a:t>
             </a:fld>
             <a:endParaRPr lang="en-US"/>
           </a:p>
@@ -7405,7 +7405,7 @@
               <a:pPr>
                 <a:defRPr/>
               </a:pPr>
-              <a:t>11/5/2020</a:t>
+              <a:t>11/17/2020</a:t>
             </a:fld>
             <a:endParaRPr lang="en-US"/>
           </a:p>
@@ -7612,7 +7612,7 @@
               <a:pPr>
                 <a:defRPr/>
               </a:pPr>
-              <a:t>11/5/2020</a:t>
+              <a:t>11/17/2020</a:t>
             </a:fld>
             <a:endParaRPr lang="en-US"/>
           </a:p>
@@ -7827,7 +7827,7 @@
               <a:pPr>
                 <a:defRPr/>
               </a:pPr>
-              <a:t>05/11/2020</a:t>
+              <a:t>17/11/2020</a:t>
             </a:fld>
             <a:endParaRPr lang="en-GB"/>
           </a:p>
@@ -8012,7 +8012,7 @@
               <a:pPr>
                 <a:defRPr/>
               </a:pPr>
-              <a:t>05/11/2020</a:t>
+              <a:t>17/11/2020</a:t>
             </a:fld>
             <a:endParaRPr lang="en-GB"/>
           </a:p>
@@ -8273,7 +8273,7 @@
               <a:pPr>
                 <a:defRPr/>
               </a:pPr>
-              <a:t>05/11/2020</a:t>
+              <a:t>17/11/2020</a:t>
             </a:fld>
             <a:endParaRPr lang="en-GB"/>
           </a:p>
@@ -8520,7 +8520,7 @@
               <a:pPr>
                 <a:defRPr/>
               </a:pPr>
-              <a:t>05/11/2020</a:t>
+              <a:t>17/11/2020</a:t>
             </a:fld>
             <a:endParaRPr lang="en-GB"/>
           </a:p>
@@ -8902,7 +8902,7 @@
               <a:pPr>
                 <a:defRPr/>
               </a:pPr>
-              <a:t>05/11/2020</a:t>
+              <a:t>17/11/2020</a:t>
             </a:fld>
             <a:endParaRPr lang="en-GB"/>
           </a:p>
@@ -9035,7 +9035,7 @@
               <a:pPr>
                 <a:defRPr/>
               </a:pPr>
-              <a:t>05/11/2020</a:t>
+              <a:t>17/11/2020</a:t>
             </a:fld>
             <a:endParaRPr lang="en-GB"/>
           </a:p>
@@ -9145,7 +9145,7 @@
               <a:pPr>
                 <a:defRPr/>
               </a:pPr>
-              <a:t>05/11/2020</a:t>
+              <a:t>17/11/2020</a:t>
             </a:fld>
             <a:endParaRPr lang="en-GB"/>
           </a:p>
@@ -9655,7 +9655,7 @@
               <a:pPr>
                 <a:defRPr/>
               </a:pPr>
-              <a:t>05/11/2020</a:t>
+              <a:t>17/11/2020</a:t>
             </a:fld>
             <a:endParaRPr lang="en-GB"/>
           </a:p>
@@ -9927,7 +9927,7 @@
               <a:pPr>
                 <a:defRPr/>
               </a:pPr>
-              <a:t>05/11/2020</a:t>
+              <a:t>17/11/2020</a:t>
             </a:fld>
             <a:endParaRPr lang="en-GB"/>
           </a:p>
@@ -10112,7 +10112,7 @@
               <a:pPr>
                 <a:defRPr/>
               </a:pPr>
-              <a:t>05/11/2020</a:t>
+              <a:t>17/11/2020</a:t>
             </a:fld>
             <a:endParaRPr lang="en-GB"/>
           </a:p>
@@ -10307,7 +10307,7 @@
               <a:pPr>
                 <a:defRPr/>
               </a:pPr>
-              <a:t>05/11/2020</a:t>
+              <a:t>17/11/2020</a:t>
             </a:fld>
             <a:endParaRPr lang="en-GB"/>
           </a:p>
@@ -10528,7 +10528,7 @@
               <a:pPr>
                 <a:defRPr/>
               </a:pPr>
-              <a:t>05/11/2020</a:t>
+              <a:t>17/11/2020</a:t>
             </a:fld>
             <a:endParaRPr lang="en-GB"/>
           </a:p>
@@ -13142,7 +13142,7 @@
               <a:pPr>
                 <a:defRPr/>
               </a:pPr>
-              <a:t>11/5/2020</a:t>
+              <a:t>11/17/2020</a:t>
             </a:fld>
             <a:endParaRPr lang="en-US"/>
           </a:p>
@@ -23804,7 +23804,7 @@
               <a:buNone/>
             </a:pPr>
             <a:r>
-              <a:rPr lang="en-GB" altLang="en-US" sz="3600">
+              <a:rPr lang="en-GB" altLang="en-US" sz="3600" dirty="0">
                 <a:solidFill>
                   <a:schemeClr val="accent2"/>
                 </a:solidFill>
@@ -23812,7 +23812,7 @@
               <a:t>y = a + b</a:t>
             </a:r>
             <a:r>
-              <a:rPr lang="en-GB" altLang="en-US" sz="3600" baseline="-25000">
+              <a:rPr lang="en-GB" altLang="en-US" sz="3600" baseline="-25000" dirty="0">
                 <a:solidFill>
                   <a:schemeClr val="accent2"/>
                 </a:solidFill>
@@ -23820,7 +23820,7 @@
               <a:t>1</a:t>
             </a:r>
             <a:r>
-              <a:rPr lang="en-GB" altLang="en-US" sz="3600">
+              <a:rPr lang="en-GB" altLang="en-US" sz="3600" dirty="0">
                 <a:solidFill>
                   <a:schemeClr val="accent2"/>
                 </a:solidFill>
@@ -23828,7 +23828,7 @@
               <a:t>x + b</a:t>
             </a:r>
             <a:r>
-              <a:rPr lang="en-GB" altLang="en-US" sz="3600" baseline="-25000">
+              <a:rPr lang="en-GB" altLang="en-US" sz="3600" baseline="-25000" dirty="0">
                 <a:solidFill>
                   <a:schemeClr val="accent2"/>
                 </a:solidFill>
@@ -23836,7 +23836,7 @@
               <a:t>2</a:t>
             </a:r>
             <a:r>
-              <a:rPr lang="en-GB" altLang="en-US" sz="3600">
+              <a:rPr lang="en-GB" altLang="en-US" sz="3600" dirty="0">
                 <a:solidFill>
                   <a:schemeClr val="accent2"/>
                 </a:solidFill>
@@ -23844,7 +23844,7 @@
               <a:t>x</a:t>
             </a:r>
             <a:r>
-              <a:rPr lang="en-GB" altLang="en-US" sz="3600" baseline="30000">
+              <a:rPr lang="en-GB" altLang="en-US" sz="3600" baseline="30000" dirty="0">
                 <a:solidFill>
                   <a:schemeClr val="accent2"/>
                 </a:solidFill>
@@ -23852,7 +23852,7 @@
               <a:t>2 </a:t>
             </a:r>
             <a:r>
-              <a:rPr lang="en-GB" altLang="en-US" sz="3600">
+              <a:rPr lang="en-GB" altLang="en-US" sz="3600" dirty="0">
                 <a:solidFill>
                   <a:schemeClr val="accent2"/>
                 </a:solidFill>
@@ -23860,7 +23860,7 @@
               <a:t>+ b</a:t>
             </a:r>
             <a:r>
-              <a:rPr lang="en-GB" altLang="en-US" sz="3600" baseline="-25000">
+              <a:rPr lang="en-GB" altLang="en-US" sz="3600" baseline="-25000" dirty="0">
                 <a:solidFill>
                   <a:schemeClr val="accent2"/>
                 </a:solidFill>
@@ -23868,7 +23868,7 @@
               <a:t>3</a:t>
             </a:r>
             <a:r>
-              <a:rPr lang="en-GB" altLang="en-US" sz="3600">
+              <a:rPr lang="en-GB" altLang="en-US" sz="3600" dirty="0">
                 <a:solidFill>
                   <a:schemeClr val="accent2"/>
                 </a:solidFill>
@@ -23876,7 +23876,7 @@
               <a:t>x</a:t>
             </a:r>
             <a:r>
-              <a:rPr lang="en-GB" altLang="en-US" sz="3600" baseline="30000">
+              <a:rPr lang="en-GB" altLang="en-US" sz="3600" baseline="30000" dirty="0">
                 <a:solidFill>
                   <a:schemeClr val="accent2"/>
                 </a:solidFill>
@@ -23884,7 +23884,7 @@
               <a:t>3 </a:t>
             </a:r>
             <a:r>
-              <a:rPr lang="en-GB" altLang="en-US" sz="3600">
+              <a:rPr lang="en-GB" altLang="en-US" sz="3600" dirty="0">
                 <a:solidFill>
                   <a:schemeClr val="accent2"/>
                 </a:solidFill>
@@ -23892,7 +23892,7 @@
               <a:t>+ b</a:t>
             </a:r>
             <a:r>
-              <a:rPr lang="en-GB" altLang="en-US" sz="3600" baseline="-25000">
+              <a:rPr lang="en-GB" altLang="en-US" sz="3600" baseline="-25000" dirty="0">
                 <a:solidFill>
                   <a:schemeClr val="accent2"/>
                 </a:solidFill>
@@ -23900,7 +23900,7 @@
               <a:t>4</a:t>
             </a:r>
             <a:r>
-              <a:rPr lang="en-GB" altLang="en-US" sz="3600">
+              <a:rPr lang="en-GB" altLang="en-US" sz="3600" dirty="0">
                 <a:solidFill>
                   <a:schemeClr val="accent2"/>
                 </a:solidFill>
@@ -23908,7 +23908,7 @@
               <a:t>x</a:t>
             </a:r>
             <a:r>
-              <a:rPr lang="en-GB" altLang="en-US" sz="3600" baseline="30000">
+              <a:rPr lang="en-GB" altLang="en-US" sz="3600" baseline="30000" dirty="0">
                 <a:solidFill>
                   <a:schemeClr val="accent2"/>
                 </a:solidFill>
@@ -25761,7 +25761,17 @@
                   </a:schemeClr>
                 </a:solidFill>
               </a:rPr>
-              <a:t>	- Polynomials</a:t>
+              <a:t>	- </a:t>
+            </a:r>
+            <a:r>
+              <a:rPr lang="en-GB" altLang="en-US" sz="3200" dirty="0" smtClean="0">
+                <a:solidFill>
+                  <a:schemeClr val="accent1">
+                    <a:lumMod val="75000"/>
+                  </a:schemeClr>
+                </a:solidFill>
+              </a:rPr>
+              <a:t>Intro to Fitting Curves</a:t>
             </a:r>
             <a:r>
               <a:rPr lang="en-GB" altLang="en-US" sz="3200" dirty="0"/>
@@ -25772,7 +25782,11 @@
             </a:br>
             <a:r>
               <a:rPr lang="en-GB" altLang="en-US" sz="3200" dirty="0" smtClean="0"/>
-              <a:t>	- Workshop</a:t>
+              <a:t>	- </a:t>
+            </a:r>
+            <a:r>
+              <a:rPr lang="en-GB" altLang="en-US" sz="3200" dirty="0" smtClean="0"/>
+              <a:t>Workbook</a:t>
             </a:r>
             <a:r>
               <a:rPr lang="en-GB" altLang="en-US" sz="3200" dirty="0"/>
@@ -26142,7 +26156,7 @@
               <a:buNone/>
             </a:pPr>
             <a:r>
-              <a:rPr lang="en-GB" altLang="en-US" sz="2800" b="1">
+              <a:rPr lang="en-GB" altLang="en-US" sz="2800" b="1" dirty="0">
                 <a:solidFill>
                   <a:srgbClr val="002060"/>
                 </a:solidFill>
@@ -26151,7 +26165,7 @@
               <a:t>Workshop</a:t>
             </a:r>
             <a:br>
-              <a:rPr lang="en-GB" altLang="en-US" sz="2800" b="1">
+              <a:rPr lang="en-GB" altLang="en-US" sz="2800" b="1" dirty="0">
                 <a:solidFill>
                   <a:srgbClr val="002060"/>
                 </a:solidFill>
@@ -26159,7 +26173,7 @@
               </a:rPr>
             </a:br>
             <a:r>
-              <a:rPr lang="en-GB" altLang="en-US" sz="2800" b="1">
+              <a:rPr lang="en-GB" altLang="en-US" sz="2800" b="1" dirty="0">
                 <a:solidFill>
                   <a:srgbClr val="002060"/>
                 </a:solidFill>
@@ -26168,7 +26182,7 @@
               <a:t/>
             </a:r>
             <a:br>
-              <a:rPr lang="en-GB" altLang="en-US" sz="2800" b="1">
+              <a:rPr lang="en-GB" altLang="en-US" sz="2800" b="1" dirty="0">
                 <a:solidFill>
                   <a:srgbClr val="002060"/>
                 </a:solidFill>
@@ -26176,7 +26190,7 @@
               </a:rPr>
             </a:br>
             <a:r>
-              <a:rPr lang="en-GB" altLang="en-US" sz="2800" b="1">
+              <a:rPr lang="en-GB" altLang="en-US" sz="2800" b="1" dirty="0">
                 <a:solidFill>
                   <a:srgbClr val="002060"/>
                 </a:solidFill>
@@ -26185,7 +26199,7 @@
               <a:t>Go to PSYC753 DLE page</a:t>
             </a:r>
             <a:br>
-              <a:rPr lang="en-GB" altLang="en-US" sz="2800" b="1">
+              <a:rPr lang="en-GB" altLang="en-US" sz="2800" b="1" dirty="0">
                 <a:solidFill>
                   <a:srgbClr val="002060"/>
                 </a:solidFill>
@@ -26193,7 +26207,7 @@
               </a:rPr>
             </a:br>
             <a:r>
-              <a:rPr lang="en-GB" altLang="en-US" sz="2800" b="1">
+              <a:rPr lang="en-GB" altLang="en-US" sz="2800" b="1" dirty="0">
                 <a:solidFill>
                   <a:srgbClr val="002060"/>
                 </a:solidFill>
@@ -26202,7 +26216,7 @@
               <a:t>Locate link for my workshops</a:t>
             </a:r>
             <a:br>
-              <a:rPr lang="en-GB" altLang="en-US" sz="2800" b="1">
+              <a:rPr lang="en-GB" altLang="en-US" sz="2800" b="1" dirty="0">
                 <a:solidFill>
                   <a:srgbClr val="002060"/>
                 </a:solidFill>
@@ -26210,7 +26224,7 @@
               </a:rPr>
             </a:br>
             <a:r>
-              <a:rPr lang="en-GB" altLang="en-US" sz="2800" b="1">
+              <a:rPr lang="en-GB" altLang="en-US" sz="2800" b="1" dirty="0">
                 <a:solidFill>
                   <a:srgbClr val="002060"/>
                 </a:solidFill>
@@ -26219,7 +26233,7 @@
               <a:t/>
             </a:r>
             <a:br>
-              <a:rPr lang="en-GB" altLang="en-US" sz="2800" b="1">
+              <a:rPr lang="en-GB" altLang="en-US" sz="2800" b="1" dirty="0">
                 <a:solidFill>
                   <a:srgbClr val="002060"/>
                 </a:solidFill>
@@ -26227,13 +26241,31 @@
               </a:rPr>
             </a:br>
             <a:r>
-              <a:rPr lang="en-GB" altLang="en-US" sz="2800" b="1">
+              <a:rPr lang="en-GB" altLang="en-US" sz="2800" b="1" dirty="0">
                 <a:solidFill>
                   <a:srgbClr val="002060"/>
                 </a:solidFill>
                 <a:latin typeface="Calibri" panose="020F0502020204030204" pitchFamily="34" charset="0"/>
               </a:rPr>
-              <a:t>Today’s worksheet: “Fitting Curves”</a:t>
+              <a:t>Today’s worksheet: </a:t>
+            </a:r>
+            <a:r>
+              <a:rPr lang="en-GB" altLang="en-US" sz="2800" b="1" dirty="0" smtClean="0">
+                <a:solidFill>
+                  <a:srgbClr val="002060"/>
+                </a:solidFill>
+                <a:latin typeface="Calibri" panose="020F0502020204030204" pitchFamily="34" charset="0"/>
+              </a:rPr>
+              <a:t>“Week 18 - Fitting </a:t>
+            </a:r>
+            <a:r>
+              <a:rPr lang="en-GB" altLang="en-US" sz="2800" b="1" dirty="0">
+                <a:solidFill>
+                  <a:srgbClr val="002060"/>
+                </a:solidFill>
+                <a:latin typeface="Calibri" panose="020F0502020204030204" pitchFamily="34" charset="0"/>
+              </a:rPr>
+              <a:t>Curves”</a:t>
             </a:r>
           </a:p>
         </p:txBody>
@@ -27021,7 +27053,7 @@
           </p:cNvPicPr>
           <p:nvPr/>
         </p:nvPicPr>
-        <p:blipFill>
+        <p:blipFill rotWithShape="1">
           <a:blip r:embed="rId2">
             <a:extLst>
               <a:ext uri="{28A0092B-C50C-407E-A947-70E740481C1C}">
@@ -27029,15 +27061,13 @@
               </a:ext>
             </a:extLst>
           </a:blip>
-          <a:srcRect b="61478"/>
-          <a:stretch>
-            <a:fillRect/>
-          </a:stretch>
+          <a:srcRect l="1697" r="1740" b="61478"/>
+          <a:stretch/>
         </p:blipFill>
         <p:spPr bwMode="auto">
           <a:xfrm>
-            <a:off x="1968501" y="2119314"/>
-            <a:ext cx="2430463" cy="2619375"/>
+            <a:off x="2001328" y="1645849"/>
+            <a:ext cx="3830129" cy="4274774"/>
           </a:xfrm>
           <a:prstGeom prst="rect">
             <a:avLst/>
@@ -27075,7 +27105,7 @@
           </p:cNvPicPr>
           <p:nvPr/>
         </p:nvPicPr>
-        <p:blipFill>
+        <p:blipFill rotWithShape="1">
           <a:blip r:embed="rId2">
             <a:extLst>
               <a:ext uri="{28A0092B-C50C-407E-A947-70E740481C1C}">
@@ -27083,15 +27113,13 @@
               </a:ext>
             </a:extLst>
           </a:blip>
-          <a:srcRect t="37650" r="1938" b="31604"/>
-          <a:stretch>
-            <a:fillRect/>
-          </a:stretch>
+          <a:srcRect l="1361" t="37650" r="1937" b="31958"/>
+          <a:stretch/>
         </p:blipFill>
         <p:spPr bwMode="auto">
           <a:xfrm>
-            <a:off x="4779964" y="2266950"/>
-            <a:ext cx="2581275" cy="2262188"/>
+            <a:off x="6228272" y="1697607"/>
+            <a:ext cx="4224384" cy="3711155"/>
           </a:xfrm>
           <a:prstGeom prst="rect">
             <a:avLst/>
@@ -27121,6 +27149,149 @@
           </a:extLst>
         </p:spPr>
       </p:pic>
+      <p:sp>
+        <p:nvSpPr>
+          <p:cNvPr id="2" name="TextBox 1"/>
+          <p:cNvSpPr txBox="1"/>
+          <p:nvPr/>
+        </p:nvSpPr>
+        <p:spPr>
+          <a:xfrm>
+            <a:off x="6556075" y="5971630"/>
+            <a:ext cx="4697564" cy="769441"/>
+          </a:xfrm>
+          <a:prstGeom prst="rect">
+            <a:avLst/>
+          </a:prstGeom>
+          <a:noFill/>
+        </p:spPr>
+        <p:txBody>
+          <a:bodyPr wrap="square" rtlCol="0">
+            <a:spAutoFit/>
+          </a:bodyPr>
+          <a:lstStyle/>
+          <a:p>
+            <a:r>
+              <a:rPr lang="en-GB" sz="1100" dirty="0">
+                <a:solidFill>
+                  <a:schemeClr val="bg1">
+                    <a:lumMod val="50000"/>
+                  </a:schemeClr>
+                </a:solidFill>
+              </a:rPr>
+              <a:t>Sternberg, D. A., Ballard, K., Hardy, J. L., Katz, B., </a:t>
+            </a:r>
+            <a:r>
+              <a:rPr lang="en-GB" sz="1100" dirty="0" err="1">
+                <a:solidFill>
+                  <a:schemeClr val="bg1">
+                    <a:lumMod val="50000"/>
+                  </a:schemeClr>
+                </a:solidFill>
+              </a:rPr>
+              <a:t>Doraiswamy</a:t>
+            </a:r>
+            <a:r>
+              <a:rPr lang="en-GB" sz="1100" dirty="0">
+                <a:solidFill>
+                  <a:schemeClr val="bg1">
+                    <a:lumMod val="50000"/>
+                  </a:schemeClr>
+                </a:solidFill>
+              </a:rPr>
+              <a:t>, P. M., &amp; Scanlon, M. (2013). The largest human cognitive performance dataset reveals insights into the effects of lifestyle factors and aging. </a:t>
+            </a:r>
+            <a:r>
+              <a:rPr lang="en-GB" sz="1100" i="1" dirty="0">
+                <a:solidFill>
+                  <a:schemeClr val="bg1">
+                    <a:lumMod val="50000"/>
+                  </a:schemeClr>
+                </a:solidFill>
+              </a:rPr>
+              <a:t>Frontiers in </a:t>
+            </a:r>
+            <a:r>
+              <a:rPr lang="en-GB" sz="1100" i="1" dirty="0">
+                <a:solidFill>
+                  <a:schemeClr val="bg1">
+                    <a:lumMod val="50000"/>
+                  </a:schemeClr>
+                </a:solidFill>
+              </a:rPr>
+              <a:t>H</a:t>
+            </a:r>
+            <a:r>
+              <a:rPr lang="en-GB" sz="1100" i="1" dirty="0" smtClean="0">
+                <a:solidFill>
+                  <a:schemeClr val="bg1">
+                    <a:lumMod val="50000"/>
+                  </a:schemeClr>
+                </a:solidFill>
+              </a:rPr>
+              <a:t>uman </a:t>
+            </a:r>
+            <a:r>
+              <a:rPr lang="en-GB" sz="1100" i="1" dirty="0">
+                <a:solidFill>
+                  <a:schemeClr val="bg1">
+                    <a:lumMod val="50000"/>
+                  </a:schemeClr>
+                </a:solidFill>
+              </a:rPr>
+              <a:t>N</a:t>
+            </a:r>
+            <a:r>
+              <a:rPr lang="en-GB" sz="1100" i="1" dirty="0" smtClean="0">
+                <a:solidFill>
+                  <a:schemeClr val="bg1">
+                    <a:lumMod val="50000"/>
+                  </a:schemeClr>
+                </a:solidFill>
+              </a:rPr>
+              <a:t>euroscience</a:t>
+            </a:r>
+            <a:r>
+              <a:rPr lang="en-GB" sz="1100" dirty="0">
+                <a:solidFill>
+                  <a:schemeClr val="bg1">
+                    <a:lumMod val="50000"/>
+                  </a:schemeClr>
+                </a:solidFill>
+              </a:rPr>
+              <a:t>, </a:t>
+            </a:r>
+            <a:r>
+              <a:rPr lang="en-GB" sz="1100" i="1" dirty="0">
+                <a:solidFill>
+                  <a:schemeClr val="bg1">
+                    <a:lumMod val="50000"/>
+                  </a:schemeClr>
+                </a:solidFill>
+              </a:rPr>
+              <a:t>7</a:t>
+            </a:r>
+            <a:r>
+              <a:rPr lang="en-GB" sz="1100" dirty="0">
+                <a:solidFill>
+                  <a:schemeClr val="bg1">
+                    <a:lumMod val="50000"/>
+                  </a:schemeClr>
+                </a:solidFill>
+              </a:rPr>
+              <a:t>, 292</a:t>
+            </a:r>
+            <a:endParaRPr lang="en-GB" sz="1100" dirty="0" smtClean="0">
+              <a:solidFill>
+                <a:schemeClr val="bg1">
+                  <a:lumMod val="50000"/>
+                </a:schemeClr>
+              </a:solidFill>
+              <a:latin typeface="+mj-lt"/>
+            </a:endParaRPr>
+          </a:p>
+        </p:txBody>
+      </p:sp>
     </p:spTree>
   </p:cSld>
   <p:clrMapOvr>
@@ -27247,6 +27418,136 @@
           </a:p>
         </p:txBody>
       </p:sp>
+      <p:sp>
+        <p:nvSpPr>
+          <p:cNvPr id="2" name="Rectangle 1"/>
+          <p:cNvSpPr/>
+          <p:nvPr/>
+        </p:nvSpPr>
+        <p:spPr>
+          <a:xfrm>
+            <a:off x="145211" y="5890479"/>
+            <a:ext cx="3671978" cy="830997"/>
+          </a:xfrm>
+          <a:prstGeom prst="rect">
+            <a:avLst/>
+          </a:prstGeom>
+        </p:spPr>
+        <p:txBody>
+          <a:bodyPr wrap="square">
+            <a:spAutoFit/>
+          </a:bodyPr>
+          <a:lstStyle/>
+          <a:p>
+            <a:r>
+              <a:rPr lang="en-GB" sz="1200" dirty="0" err="1">
+                <a:solidFill>
+                  <a:schemeClr val="bg1">
+                    <a:lumMod val="50000"/>
+                  </a:schemeClr>
+                </a:solidFill>
+                <a:latin typeface="Arial" panose="020B0604020202020204" pitchFamily="34" charset="0"/>
+              </a:rPr>
+              <a:t>Randles</a:t>
+            </a:r>
+            <a:r>
+              <a:rPr lang="en-GB" sz="1200" dirty="0">
+                <a:solidFill>
+                  <a:schemeClr val="bg1">
+                    <a:lumMod val="50000"/>
+                  </a:schemeClr>
+                </a:solidFill>
+                <a:latin typeface="Arial" panose="020B0604020202020204" pitchFamily="34" charset="0"/>
+              </a:rPr>
+              <a:t>, D., Harlow, I., &amp; </a:t>
+            </a:r>
+            <a:r>
+              <a:rPr lang="en-GB" sz="1200" dirty="0" err="1">
+                <a:solidFill>
+                  <a:schemeClr val="bg1">
+                    <a:lumMod val="50000"/>
+                  </a:schemeClr>
+                </a:solidFill>
+                <a:latin typeface="Arial" panose="020B0604020202020204" pitchFamily="34" charset="0"/>
+              </a:rPr>
+              <a:t>Inzlicht</a:t>
+            </a:r>
+            <a:r>
+              <a:rPr lang="en-GB" sz="1200" dirty="0">
+                <a:solidFill>
+                  <a:schemeClr val="bg1">
+                    <a:lumMod val="50000"/>
+                  </a:schemeClr>
+                </a:solidFill>
+                <a:latin typeface="Arial" panose="020B0604020202020204" pitchFamily="34" charset="0"/>
+              </a:rPr>
+              <a:t>, M. (2017). A pre-registered naturalistic observation of within domain mental fatigue and domain-general depletion of self-control. </a:t>
+            </a:r>
+            <a:r>
+              <a:rPr lang="en-GB" sz="1200" i="1" dirty="0" err="1">
+                <a:solidFill>
+                  <a:schemeClr val="bg1">
+                    <a:lumMod val="50000"/>
+                  </a:schemeClr>
+                </a:solidFill>
+                <a:latin typeface="Arial" panose="020B0604020202020204" pitchFamily="34" charset="0"/>
+              </a:rPr>
+              <a:t>PloS</a:t>
+            </a:r>
+            <a:r>
+              <a:rPr lang="en-GB" sz="1200" i="1" dirty="0">
+                <a:solidFill>
+                  <a:schemeClr val="bg1">
+                    <a:lumMod val="50000"/>
+                  </a:schemeClr>
+                </a:solidFill>
+                <a:latin typeface="Arial" panose="020B0604020202020204" pitchFamily="34" charset="0"/>
+              </a:rPr>
+              <a:t> one</a:t>
+            </a:r>
+            <a:r>
+              <a:rPr lang="en-GB" sz="1200" dirty="0">
+                <a:solidFill>
+                  <a:schemeClr val="bg1">
+                    <a:lumMod val="50000"/>
+                  </a:schemeClr>
+                </a:solidFill>
+                <a:latin typeface="Arial" panose="020B0604020202020204" pitchFamily="34" charset="0"/>
+              </a:rPr>
+              <a:t>, </a:t>
+            </a:r>
+            <a:r>
+              <a:rPr lang="en-GB" sz="1200" i="1" dirty="0">
+                <a:solidFill>
+                  <a:schemeClr val="bg1">
+                    <a:lumMod val="50000"/>
+                  </a:schemeClr>
+                </a:solidFill>
+                <a:latin typeface="Arial" panose="020B0604020202020204" pitchFamily="34" charset="0"/>
+              </a:rPr>
+              <a:t>12</a:t>
+            </a:r>
+            <a:r>
+              <a:rPr lang="en-GB" sz="1200" dirty="0">
+                <a:solidFill>
+                  <a:schemeClr val="bg1">
+                    <a:lumMod val="50000"/>
+                  </a:schemeClr>
+                </a:solidFill>
+                <a:latin typeface="Arial" panose="020B0604020202020204" pitchFamily="34" charset="0"/>
+              </a:rPr>
+              <a:t>(9), e0182980.</a:t>
+            </a:r>
+            <a:endParaRPr lang="en-GB" sz="1200" dirty="0">
+              <a:solidFill>
+                <a:schemeClr val="bg1">
+                  <a:lumMod val="50000"/>
+                </a:schemeClr>
+              </a:solidFill>
+            </a:endParaRPr>
+          </a:p>
+        </p:txBody>
+      </p:sp>
     </p:spTree>
   </p:cSld>
   <p:clrMapOvr>
@@ -27331,8 +27632,8 @@
         </p:blipFill>
         <p:spPr bwMode="auto">
           <a:xfrm>
-            <a:off x="3675063" y="1965325"/>
-            <a:ext cx="4957762" cy="3016250"/>
+            <a:off x="2363847" y="1581185"/>
+            <a:ext cx="6822609" cy="4150803"/>
           </a:xfrm>
           <a:prstGeom prst="rect">
             <a:avLst/>
@@ -27374,7 +27675,7 @@
         </p:nvSpPr>
         <p:spPr>
           <a:xfrm>
-            <a:off x="1981200" y="636588"/>
+            <a:off x="1981200" y="438185"/>
             <a:ext cx="8229600" cy="1143000"/>
           </a:xfrm>
         </p:spPr>
@@ -27384,16 +27685,216 @@
           <a:p>
             <a:pPr algn="l"/>
             <a:r>
-              <a:rPr lang="en-GB" altLang="en-US" smtClean="0"/>
-              <a:t>Aune et al. (2016)</a:t>
+              <a:rPr lang="en-GB" altLang="en-US" dirty="0" err="1" smtClean="0"/>
+              <a:t>Aune</a:t>
+            </a:r>
+            <a:r>
+              <a:rPr lang="en-GB" altLang="en-US" dirty="0" smtClean="0"/>
+              <a:t> et al. (2016)</a:t>
             </a:r>
             <a:br>
-              <a:rPr lang="en-GB" altLang="en-US" smtClean="0"/>
+              <a:rPr lang="en-GB" altLang="en-US" dirty="0" smtClean="0"/>
             </a:br>
             <a:r>
-              <a:rPr lang="en-GB" altLang="en-US" smtClean="0"/>
+              <a:rPr lang="en-GB" altLang="en-US" dirty="0" smtClean="0"/>
               <a:t>BMI vs Mortality</a:t>
             </a:r>
+          </a:p>
+        </p:txBody>
+      </p:sp>
+      <p:sp>
+        <p:nvSpPr>
+          <p:cNvPr id="2" name="Rectangle 1"/>
+          <p:cNvSpPr/>
+          <p:nvPr/>
+        </p:nvSpPr>
+        <p:spPr>
+          <a:xfrm>
+            <a:off x="132272" y="5825107"/>
+            <a:ext cx="6096000" cy="830997"/>
+          </a:xfrm>
+          <a:prstGeom prst="rect">
+            <a:avLst/>
+          </a:prstGeom>
+        </p:spPr>
+        <p:txBody>
+          <a:bodyPr>
+            <a:spAutoFit/>
+          </a:bodyPr>
+          <a:lstStyle/>
+          <a:p>
+            <a:r>
+              <a:rPr lang="en-GB" sz="1200" dirty="0" err="1">
+                <a:solidFill>
+                  <a:schemeClr val="bg1">
+                    <a:lumMod val="50000"/>
+                  </a:schemeClr>
+                </a:solidFill>
+                <a:latin typeface="Arial" panose="020B0604020202020204" pitchFamily="34" charset="0"/>
+              </a:rPr>
+              <a:t>Aune</a:t>
+            </a:r>
+            <a:r>
+              <a:rPr lang="en-GB" sz="1200" dirty="0">
+                <a:solidFill>
+                  <a:schemeClr val="bg1">
+                    <a:lumMod val="50000"/>
+                  </a:schemeClr>
+                </a:solidFill>
+                <a:latin typeface="Arial" panose="020B0604020202020204" pitchFamily="34" charset="0"/>
+              </a:rPr>
+              <a:t>, D., Sen, A., Prasad, M., </a:t>
+            </a:r>
+            <a:r>
+              <a:rPr lang="en-GB" sz="1200" dirty="0" err="1">
+                <a:solidFill>
+                  <a:schemeClr val="bg1">
+                    <a:lumMod val="50000"/>
+                  </a:schemeClr>
+                </a:solidFill>
+                <a:latin typeface="Arial" panose="020B0604020202020204" pitchFamily="34" charset="0"/>
+              </a:rPr>
+              <a:t>Norat</a:t>
+            </a:r>
+            <a:r>
+              <a:rPr lang="en-GB" sz="1200" dirty="0">
+                <a:solidFill>
+                  <a:schemeClr val="bg1">
+                    <a:lumMod val="50000"/>
+                  </a:schemeClr>
+                </a:solidFill>
+                <a:latin typeface="Arial" panose="020B0604020202020204" pitchFamily="34" charset="0"/>
+              </a:rPr>
+              <a:t>, T., </a:t>
+            </a:r>
+            <a:r>
+              <a:rPr lang="en-GB" sz="1200" dirty="0" err="1">
+                <a:solidFill>
+                  <a:schemeClr val="bg1">
+                    <a:lumMod val="50000"/>
+                  </a:schemeClr>
+                </a:solidFill>
+                <a:latin typeface="Arial" panose="020B0604020202020204" pitchFamily="34" charset="0"/>
+              </a:rPr>
+              <a:t>Janszky</a:t>
+            </a:r>
+            <a:r>
+              <a:rPr lang="en-GB" sz="1200" dirty="0">
+                <a:solidFill>
+                  <a:schemeClr val="bg1">
+                    <a:lumMod val="50000"/>
+                  </a:schemeClr>
+                </a:solidFill>
+                <a:latin typeface="Arial" panose="020B0604020202020204" pitchFamily="34" charset="0"/>
+              </a:rPr>
+              <a:t>, I., </a:t>
+            </a:r>
+            <a:r>
+              <a:rPr lang="en-GB" sz="1200" dirty="0" err="1">
+                <a:solidFill>
+                  <a:schemeClr val="bg1">
+                    <a:lumMod val="50000"/>
+                  </a:schemeClr>
+                </a:solidFill>
+                <a:latin typeface="Arial" panose="020B0604020202020204" pitchFamily="34" charset="0"/>
+              </a:rPr>
+              <a:t>Tonstad</a:t>
+            </a:r>
+            <a:r>
+              <a:rPr lang="en-GB" sz="1200" dirty="0">
+                <a:solidFill>
+                  <a:schemeClr val="bg1">
+                    <a:lumMod val="50000"/>
+                  </a:schemeClr>
+                </a:solidFill>
+                <a:latin typeface="Arial" panose="020B0604020202020204" pitchFamily="34" charset="0"/>
+              </a:rPr>
+              <a:t>, S., ... &amp; </a:t>
+            </a:r>
+            <a:r>
+              <a:rPr lang="en-GB" sz="1200" dirty="0" err="1">
+                <a:solidFill>
+                  <a:schemeClr val="bg1">
+                    <a:lumMod val="50000"/>
+                  </a:schemeClr>
+                </a:solidFill>
+                <a:latin typeface="Arial" panose="020B0604020202020204" pitchFamily="34" charset="0"/>
+              </a:rPr>
+              <a:t>Vatten</a:t>
+            </a:r>
+            <a:r>
+              <a:rPr lang="en-GB" sz="1200" dirty="0">
+                <a:solidFill>
+                  <a:schemeClr val="bg1">
+                    <a:lumMod val="50000"/>
+                  </a:schemeClr>
+                </a:solidFill>
+                <a:latin typeface="Arial" panose="020B0604020202020204" pitchFamily="34" charset="0"/>
+              </a:rPr>
+              <a:t>, L. J. (2016). BMI and all cause mortality: systematic review and non-linear dose-response meta-analysis of 230 cohort studies with 3.74 million deaths among 30.3 million participants. </a:t>
+            </a:r>
+            <a:r>
+              <a:rPr lang="en-GB" sz="1200" i="1" dirty="0" smtClean="0">
+                <a:solidFill>
+                  <a:schemeClr val="bg1">
+                    <a:lumMod val="50000"/>
+                  </a:schemeClr>
+                </a:solidFill>
+                <a:latin typeface="Arial" panose="020B0604020202020204" pitchFamily="34" charset="0"/>
+              </a:rPr>
+              <a:t>BMJ</a:t>
+            </a:r>
+            <a:r>
+              <a:rPr lang="en-GB" sz="1200" dirty="0" smtClean="0">
+                <a:solidFill>
+                  <a:schemeClr val="bg1">
+                    <a:lumMod val="50000"/>
+                  </a:schemeClr>
+                </a:solidFill>
+                <a:latin typeface="Arial" panose="020B0604020202020204" pitchFamily="34" charset="0"/>
+              </a:rPr>
+              <a:t>,</a:t>
+            </a:r>
+            <a:r>
+              <a:rPr lang="en-GB" sz="1200" dirty="0">
+                <a:solidFill>
+                  <a:schemeClr val="bg1">
+                    <a:lumMod val="50000"/>
+                  </a:schemeClr>
+                </a:solidFill>
+                <a:latin typeface="Arial" panose="020B0604020202020204" pitchFamily="34" charset="0"/>
+              </a:rPr>
+              <a:t> </a:t>
+            </a:r>
+            <a:r>
+              <a:rPr lang="en-GB" sz="1200" i="1" dirty="0">
+                <a:solidFill>
+                  <a:schemeClr val="bg1">
+                    <a:lumMod val="50000"/>
+                  </a:schemeClr>
+                </a:solidFill>
+                <a:latin typeface="Arial" panose="020B0604020202020204" pitchFamily="34" charset="0"/>
+              </a:rPr>
+              <a:t>353</a:t>
+            </a:r>
+            <a:r>
+              <a:rPr lang="en-GB" sz="1200" dirty="0">
+                <a:solidFill>
+                  <a:schemeClr val="bg1">
+                    <a:lumMod val="50000"/>
+                  </a:schemeClr>
+                </a:solidFill>
+                <a:latin typeface="Arial" panose="020B0604020202020204" pitchFamily="34" charset="0"/>
+              </a:rPr>
+              <a:t>.</a:t>
+            </a:r>
+            <a:endParaRPr lang="en-GB" sz="1200" dirty="0">
+              <a:solidFill>
+                <a:schemeClr val="bg1">
+                  <a:lumMod val="50000"/>
+                </a:schemeClr>
+              </a:solidFill>
+            </a:endParaRPr>
           </a:p>
         </p:txBody>
       </p:sp>
@@ -34704,15 +35205,6 @@
 </file>
 
 <file path=customXml/item1.xml><?xml version="1.0" encoding="utf-8"?>
-<?mso-contentType ?>
-<FormTemplates xmlns="http://schemas.microsoft.com/sharepoint/v3/contenttype/forms">
-  <Display>DocumentLibraryForm</Display>
-  <Edit>DocumentLibraryForm</Edit>
-  <New>DocumentLibraryForm</New>
-</FormTemplates>
-</file>
-
-<file path=customXml/item2.xml><?xml version="1.0" encoding="utf-8"?>
 <ct:contentTypeSchema xmlns:ct="http://schemas.microsoft.com/office/2006/metadata/contentType" xmlns:ma="http://schemas.microsoft.com/office/2006/metadata/properties/metaAttributes" ct:_="" ma:_="" ma:contentTypeName="Document" ma:contentTypeID="0x01010039C78F475D24344A969CCF416FCD45BB" ma:contentTypeVersion="13" ma:contentTypeDescription="Create a new document." ma:contentTypeScope="" ma:versionID="a0c5b494e4ac53bd353fcdbd7799a3f3">
   <xsd:schema xmlns:xsd="http://www.w3.org/2001/XMLSchema" xmlns:xs="http://www.w3.org/2001/XMLSchema" xmlns:p="http://schemas.microsoft.com/office/2006/metadata/properties" xmlns:ns3="1114de93-f3f1-4006-86a7-5ccf45982f95" xmlns:ns4="73a95059-53ff-4649-9213-6c5f0c8cde5d" targetNamespace="http://schemas.microsoft.com/office/2006/metadata/properties" ma:root="true" ma:fieldsID="ec7692872867c9011b958cb5bd08a7df" ns3:_="" ns4:_="">
     <xsd:import namespace="1114de93-f3f1-4006-86a7-5ccf45982f95"/>
@@ -34935,6 +35427,15 @@
 </ct:contentTypeSchema>
 </file>
 
+<file path=customXml/item2.xml><?xml version="1.0" encoding="utf-8"?>
+<?mso-contentType ?>
+<FormTemplates xmlns="http://schemas.microsoft.com/sharepoint/v3/contenttype/forms">
+  <Display>DocumentLibraryForm</Display>
+  <Edit>DocumentLibraryForm</Edit>
+  <New>DocumentLibraryForm</New>
+</FormTemplates>
+</file>
+
 <file path=customXml/item3.xml><?xml version="1.0" encoding="utf-8"?>
 <p:properties xmlns:p="http://schemas.microsoft.com/office/2006/metadata/properties" xmlns:xsi="http://www.w3.org/2001/XMLSchema-instance" xmlns:pc="http://schemas.microsoft.com/office/infopath/2007/PartnerControls">
   <documentManagement/>
@@ -34942,14 +35443,6 @@
 </file>
 
 <file path=customXml/itemProps1.xml><?xml version="1.0" encoding="utf-8"?>
-<ds:datastoreItem xmlns:ds="http://schemas.openxmlformats.org/officeDocument/2006/customXml" ds:itemID="{B3072510-4ABE-43B1-80AA-AB159106D349}">
-  <ds:schemaRefs>
-    <ds:schemaRef ds:uri="http://schemas.microsoft.com/sharepoint/v3/contenttype/forms"/>
-  </ds:schemaRefs>
-</ds:datastoreItem>
-</file>
-
-<file path=customXml/itemProps2.xml><?xml version="1.0" encoding="utf-8"?>
 <ds:datastoreItem xmlns:ds="http://schemas.openxmlformats.org/officeDocument/2006/customXml" ds:itemID="{4B0B3847-485F-4BD3-9F8B-04F7B47AEAD9}">
   <ds:schemaRefs>
     <ds:schemaRef ds:uri="http://schemas.microsoft.com/office/2006/metadata/contentType"/>
@@ -34968,19 +35461,27 @@
 </ds:datastoreItem>
 </file>
 
+<file path=customXml/itemProps2.xml><?xml version="1.0" encoding="utf-8"?>
+<ds:datastoreItem xmlns:ds="http://schemas.openxmlformats.org/officeDocument/2006/customXml" ds:itemID="{B3072510-4ABE-43B1-80AA-AB159106D349}">
+  <ds:schemaRefs>
+    <ds:schemaRef ds:uri="http://schemas.microsoft.com/sharepoint/v3/contenttype/forms"/>
+  </ds:schemaRefs>
+</ds:datastoreItem>
+</file>
+
 <file path=customXml/itemProps3.xml><?xml version="1.0" encoding="utf-8"?>
 <ds:datastoreItem xmlns:ds="http://schemas.openxmlformats.org/officeDocument/2006/customXml" ds:itemID="{61E7B50A-EF57-437B-A02E-6D74C3625B9A}">
   <ds:schemaRefs>
+    <ds:schemaRef ds:uri="http://purl.org/dc/elements/1.1/"/>
     <ds:schemaRef ds:uri="http://schemas.microsoft.com/office/2006/metadata/properties"/>
     <ds:schemaRef ds:uri="http://purl.org/dc/terms/"/>
     <ds:schemaRef ds:uri="73a95059-53ff-4649-9213-6c5f0c8cde5d"/>
     <ds:schemaRef ds:uri="1114de93-f3f1-4006-86a7-5ccf45982f95"/>
+    <ds:schemaRef ds:uri="http://purl.org/dc/dcmitype/"/>
+    <ds:schemaRef ds:uri="http://schemas.microsoft.com/office/infopath/2007/PartnerControls"/>
     <ds:schemaRef ds:uri="http://schemas.microsoft.com/office/2006/documentManagement/types"/>
-    <ds:schemaRef ds:uri="http://schemas.microsoft.com/office/infopath/2007/PartnerControls"/>
-    <ds:schemaRef ds:uri="http://purl.org/dc/elements/1.1/"/>
     <ds:schemaRef ds:uri="http://schemas.openxmlformats.org/package/2006/metadata/core-properties"/>
     <ds:schemaRef ds:uri="http://www.w3.org/XML/1998/namespace"/>
-    <ds:schemaRef ds:uri="http://purl.org/dc/dcmitype/"/>
   </ds:schemaRefs>
 </ds:datastoreItem>
 </file>